--- a/decks/2 - Building Backends with NodeJS.pptx
+++ b/decks/2 - Building Backends with NodeJS.pptx
@@ -358,7 +358,7 @@
           <a:p>
             <a:fld id="{D7912463-2EB7-42C0-8AD4-F0A02C6EC2BF}" type="datetimeFigureOut">
               <a:rPr lang="en-US" smtClean="0"/>
-              <a:t>4/23/2015</a:t>
+              <a:t>4/25/2015</a:t>
             </a:fld>
             <a:endParaRPr lang="en-US"/>
           </a:p>
@@ -780,7 +780,7 @@
                 </a:solidFill>
               </a:rPr>
               <a:pPr/>
-              <a:t>40</a:t>
+              <a:t>39</a:t>
             </a:fld>
             <a:endParaRPr lang="en-US">
               <a:solidFill>
@@ -793,7 +793,7 @@
     </p:spTree>
     <p:extLst>
       <p:ext uri="{BB962C8B-B14F-4D97-AF65-F5344CB8AC3E}">
-        <p14:creationId xmlns:p14="http://schemas.microsoft.com/office/powerpoint/2010/main" val="1381608952"/>
+        <p14:creationId xmlns:p14="http://schemas.microsoft.com/office/powerpoint/2010/main" val="196448936"/>
       </p:ext>
     </p:extLst>
   </p:cSld>
@@ -847,18 +847,7 @@
           <a:bodyPr/>
           <a:lstStyle/>
           <a:p>
-            <a:r>
-              <a:rPr lang="en-US" sz="1200" b="0" i="0" kern="1200" dirty="0" smtClean="0">
-                <a:solidFill>
-                  <a:schemeClr val="tx1"/>
-                </a:solidFill>
-                <a:effectLst/>
-                <a:latin typeface="+mn-lt"/>
-                <a:ea typeface="+mn-ea"/>
-                <a:cs typeface="+mn-cs"/>
-              </a:rPr>
-              <a:t>Yeoman helps you standardize your projects alongside best practices and helps you get started with new projects much quicker. Often times, developers will refactor their naming conventions and file/folder patterns as their projects grow more complex. With a tool like Yeoman, you start off on the right track from the beginning and save valuable development time.</a:t>
-            </a:r>
+            <a:endParaRPr lang="en-US" dirty="0"/>
           </a:p>
         </p:txBody>
       </p:sp>
@@ -884,7 +873,7 @@
                 </a:solidFill>
               </a:rPr>
               <a:pPr/>
-              <a:t>41</a:t>
+              <a:t>40</a:t>
             </a:fld>
             <a:endParaRPr lang="en-US">
               <a:solidFill>
@@ -897,7 +886,7 @@
     </p:spTree>
     <p:extLst>
       <p:ext uri="{BB962C8B-B14F-4D97-AF65-F5344CB8AC3E}">
-        <p14:creationId xmlns:p14="http://schemas.microsoft.com/office/powerpoint/2010/main" val="3888310538"/>
+        <p14:creationId xmlns:p14="http://schemas.microsoft.com/office/powerpoint/2010/main" val="1381608952"/>
       </p:ext>
     </p:extLst>
   </p:cSld>
@@ -961,6 +950,110 @@
                 <a:ea typeface="+mn-ea"/>
                 <a:cs typeface="+mn-cs"/>
               </a:rPr>
+              <a:t>Yeoman helps you standardize your projects alongside best practices and helps you get started with new projects much quicker. Often times, developers will refactor their naming conventions and file/folder patterns as their projects grow more complex. With a tool like Yeoman, you start off on the right track from the beginning and save valuable development time.</a:t>
+            </a:r>
+          </a:p>
+        </p:txBody>
+      </p:sp>
+      <p:sp>
+        <p:nvSpPr>
+          <p:cNvPr id="4" name="Slide Number Placeholder 3"/>
+          <p:cNvSpPr>
+            <a:spLocks noGrp="1"/>
+          </p:cNvSpPr>
+          <p:nvPr>
+            <p:ph type="sldNum" sz="quarter" idx="10"/>
+          </p:nvPr>
+        </p:nvSpPr>
+        <p:spPr/>
+        <p:txBody>
+          <a:bodyPr/>
+          <a:lstStyle/>
+          <a:p>
+            <a:fld id="{6E532FE5-35CF-4C12-ACBA-E696CED67297}" type="slidenum">
+              <a:rPr lang="en-US" smtClean="0">
+                <a:solidFill>
+                  <a:prstClr val="black"/>
+                </a:solidFill>
+              </a:rPr>
+              <a:pPr/>
+              <a:t>41</a:t>
+            </a:fld>
+            <a:endParaRPr lang="en-US">
+              <a:solidFill>
+                <a:prstClr val="black"/>
+              </a:solidFill>
+            </a:endParaRPr>
+          </a:p>
+        </p:txBody>
+      </p:sp>
+    </p:spTree>
+    <p:extLst>
+      <p:ext uri="{BB962C8B-B14F-4D97-AF65-F5344CB8AC3E}">
+        <p14:creationId xmlns:p14="http://schemas.microsoft.com/office/powerpoint/2010/main" val="3888310538"/>
+      </p:ext>
+    </p:extLst>
+  </p:cSld>
+  <p:clrMapOvr>
+    <a:masterClrMapping/>
+  </p:clrMapOvr>
+</p:notes>
+</file>
+
+<file path=ppt/notesSlides/notesSlide13.xml><?xml version="1.0" encoding="utf-8"?>
+<p:notes xmlns:a="http://schemas.openxmlformats.org/drawingml/2006/main" xmlns:r="http://schemas.openxmlformats.org/officeDocument/2006/relationships" xmlns:p="http://schemas.openxmlformats.org/presentationml/2006/main">
+  <p:cSld>
+    <p:spTree>
+      <p:nvGrpSpPr>
+        <p:cNvPr id="1" name=""/>
+        <p:cNvGrpSpPr/>
+        <p:nvPr/>
+      </p:nvGrpSpPr>
+      <p:grpSpPr>
+        <a:xfrm>
+          <a:off x="0" y="0"/>
+          <a:ext cx="0" cy="0"/>
+          <a:chOff x="0" y="0"/>
+          <a:chExt cx="0" cy="0"/>
+        </a:xfrm>
+      </p:grpSpPr>
+      <p:sp>
+        <p:nvSpPr>
+          <p:cNvPr id="2" name="Slide Image Placeholder 1"/>
+          <p:cNvSpPr>
+            <a:spLocks noGrp="1" noRot="1" noChangeAspect="1"/>
+          </p:cNvSpPr>
+          <p:nvPr>
+            <p:ph type="sldImg"/>
+          </p:nvPr>
+        </p:nvSpPr>
+        <p:spPr/>
+      </p:sp>
+      <p:sp>
+        <p:nvSpPr>
+          <p:cNvPr id="3" name="Notes Placeholder 2"/>
+          <p:cNvSpPr>
+            <a:spLocks noGrp="1"/>
+          </p:cNvSpPr>
+          <p:nvPr>
+            <p:ph type="body" idx="1"/>
+          </p:nvPr>
+        </p:nvSpPr>
+        <p:spPr/>
+        <p:txBody>
+          <a:bodyPr/>
+          <a:lstStyle/>
+          <a:p>
+            <a:r>
+              <a:rPr lang="en-US" sz="1200" b="0" i="0" kern="1200" dirty="0" smtClean="0">
+                <a:solidFill>
+                  <a:schemeClr val="tx1"/>
+                </a:solidFill>
+                <a:effectLst/>
+                <a:latin typeface="+mn-lt"/>
+                <a:ea typeface="+mn-ea"/>
+                <a:cs typeface="+mn-cs"/>
+              </a:rPr>
               <a:t>Yeoman prescribes a workflow to improve your productivity and reduce your development time. The workflow is composed of three tools: </a:t>
             </a:r>
             <a:r>
@@ -1217,7 +1310,7 @@
 </p:notes>
 </file>
 
-<file path=ppt/notesSlides/notesSlide13.xml><?xml version="1.0" encoding="utf-8"?>
+<file path=ppt/notesSlides/notesSlide14.xml><?xml version="1.0" encoding="utf-8"?>
 <p:notes xmlns:a="http://schemas.openxmlformats.org/drawingml/2006/main" xmlns:r="http://schemas.openxmlformats.org/officeDocument/2006/relationships" xmlns:p="http://schemas.openxmlformats.org/presentationml/2006/main">
   <p:cSld>
     <p:spTree>
@@ -2029,7 +2122,7 @@
           <a:bodyPr/>
           <a:lstStyle/>
           <a:p>
-            <a:endParaRPr lang="en-US" dirty="0"/>
+            <a:endParaRPr lang="en-US"/>
           </a:p>
         </p:txBody>
       </p:sp>
@@ -2048,27 +2141,18 @@
           <a:bodyPr/>
           <a:lstStyle/>
           <a:p>
-            <a:fld id="{6E532FE5-35CF-4C12-ACBA-E696CED67297}" type="slidenum">
-              <a:rPr lang="en-US" smtClean="0">
-                <a:solidFill>
-                  <a:prstClr val="black"/>
-                </a:solidFill>
-              </a:rPr>
-              <a:pPr/>
-              <a:t>39</a:t>
+            <a:fld id="{1A1CB3E1-70E1-4960-BDBB-5CE579A48DE2}" type="slidenum">
+              <a:rPr lang="en-US" smtClean="0"/>
+              <a:t>32</a:t>
             </a:fld>
-            <a:endParaRPr lang="en-US">
-              <a:solidFill>
-                <a:prstClr val="black"/>
-              </a:solidFill>
-            </a:endParaRPr>
+            <a:endParaRPr lang="en-US"/>
           </a:p>
         </p:txBody>
       </p:sp>
     </p:spTree>
     <p:extLst>
       <p:ext uri="{BB962C8B-B14F-4D97-AF65-F5344CB8AC3E}">
-        <p14:creationId xmlns:p14="http://schemas.microsoft.com/office/powerpoint/2010/main" val="196448936"/>
+        <p14:creationId xmlns:p14="http://schemas.microsoft.com/office/powerpoint/2010/main" val="781277420"/>
       </p:ext>
     </p:extLst>
   </p:cSld>
@@ -2207,9 +2291,9 @@
           <a:bodyPr/>
           <a:lstStyle/>
           <a:p>
-            <a:fld id="{FA169024-CE64-4117-9F12-9D9D2D06A7C8}" type="datetime1">
-              <a:rPr lang="en-US" smtClean="0"/>
-              <a:t>4/23/2015</a:t>
+            <a:fld id="{DEE2216B-3FEE-4C02-8254-52AF5C5DEF8B}" type="datetime1">
+              <a:rPr lang="en-US" smtClean="0"/>
+              <a:t>4/25/2015</a:t>
             </a:fld>
             <a:endParaRPr lang="en-US"/>
           </a:p>
@@ -2232,7 +2316,7 @@
           <a:p>
             <a:r>
               <a:rPr lang="en-US" smtClean="0"/>
-              <a:t>McFullStack - @RAMISAYAR</a:t>
+              <a:t>FULLSTACK - @RAMISAYAR</a:t>
             </a:r>
             <a:endParaRPr lang="en-US"/>
           </a:p>
@@ -2388,9 +2472,9 @@
           <a:bodyPr/>
           <a:lstStyle/>
           <a:p>
-            <a:fld id="{46AF8C18-9050-40B8-B6DA-E2E5D4C725E1}" type="datetime1">
-              <a:rPr lang="en-US" smtClean="0"/>
-              <a:t>4/23/2015</a:t>
+            <a:fld id="{B819EDA9-3A04-4EF4-9E92-E6EF9FA39F87}" type="datetime1">
+              <a:rPr lang="en-US" smtClean="0"/>
+              <a:t>4/25/2015</a:t>
             </a:fld>
             <a:endParaRPr lang="en-US"/>
           </a:p>
@@ -2413,7 +2497,7 @@
           <a:p>
             <a:r>
               <a:rPr lang="en-US" smtClean="0"/>
-              <a:t>McFullStack - @RAMISAYAR</a:t>
+              <a:t>FULLSTACK - @RAMISAYAR</a:t>
             </a:r>
             <a:endParaRPr lang="en-US"/>
           </a:p>
@@ -2579,9 +2663,9 @@
           <a:bodyPr/>
           <a:lstStyle/>
           <a:p>
-            <a:fld id="{ECC3C34C-57E8-4C5B-A3A1-B168390B58A7}" type="datetime1">
-              <a:rPr lang="en-US" smtClean="0"/>
-              <a:t>4/23/2015</a:t>
+            <a:fld id="{3561E6DA-0D52-4B20-B51C-22A61AE28054}" type="datetime1">
+              <a:rPr lang="en-US" smtClean="0"/>
+              <a:t>4/25/2015</a:t>
             </a:fld>
             <a:endParaRPr lang="en-US"/>
           </a:p>
@@ -2604,7 +2688,7 @@
           <a:p>
             <a:r>
               <a:rPr lang="en-US" smtClean="0"/>
-              <a:t>McFullStack - @RAMISAYAR</a:t>
+              <a:t>FULLSTACK - @RAMISAYAR</a:t>
             </a:r>
             <a:endParaRPr lang="en-US"/>
           </a:p>
@@ -2734,9 +2818,9 @@
           <a:bodyPr/>
           <a:lstStyle/>
           <a:p>
-            <a:fld id="{AD3AEA21-C69A-4982-9826-EEFEAC6BEE2F}" type="datetime1">
-              <a:rPr lang="en-US" smtClean="0"/>
-              <a:t>4/23/2015</a:t>
+            <a:fld id="{EF5EAD18-917B-43F3-9D95-A7089E38DAF1}" type="datetime1">
+              <a:rPr lang="en-US" smtClean="0"/>
+              <a:t>4/25/2015</a:t>
             </a:fld>
             <a:endParaRPr lang="en-US"/>
           </a:p>
@@ -2759,7 +2843,7 @@
           <a:p>
             <a:r>
               <a:rPr lang="en-US" smtClean="0"/>
-              <a:t>McFullStack - @RAMISAYAR</a:t>
+              <a:t>FULLSTACK - @RAMISAYAR</a:t>
             </a:r>
             <a:endParaRPr lang="en-US"/>
           </a:p>
@@ -2865,9 +2949,9 @@
           <a:bodyPr/>
           <a:lstStyle/>
           <a:p>
-            <a:fld id="{1324ECD9-8E35-481E-86CC-D34F991620B8}" type="datetime1">
-              <a:rPr lang="en-US" smtClean="0"/>
-              <a:t>4/23/2015</a:t>
+            <a:fld id="{31B3529A-0C28-4BD5-B3B8-1BA3A5181E7B}" type="datetime1">
+              <a:rPr lang="en-US" smtClean="0"/>
+              <a:t>4/25/2015</a:t>
             </a:fld>
             <a:endParaRPr lang="en-US"/>
           </a:p>
@@ -2890,7 +2974,7 @@
           <a:p>
             <a:r>
               <a:rPr lang="en-US" smtClean="0"/>
-              <a:t>McFullStack - @RAMISAYAR</a:t>
+              <a:t>FULLSTACK - @RAMISAYAR</a:t>
             </a:r>
             <a:endParaRPr lang="en-US"/>
           </a:p>
@@ -3252,7 +3336,7 @@
           <a:bodyPr/>
           <a:lstStyle/>
           <a:p>
-            <a:fld id="{FEEA2595-148D-4571-93CD-E544CD43FE7C}" type="datetime1">
+            <a:fld id="{A11C1841-37E4-4F3C-8102-6BF639BEF2A9}" type="datetime1">
               <a:rPr lang="en-US" smtClean="0">
                 <a:solidFill>
                   <a:prstClr val="black">
@@ -3260,7 +3344,7 @@
                   </a:prstClr>
                 </a:solidFill>
               </a:rPr>
-              <a:t>4/23/2015</a:t>
+              <a:t>4/25/2015</a:t>
             </a:fld>
             <a:endParaRPr lang="en-US">
               <a:solidFill>
@@ -3295,7 +3379,7 @@
                   </a:prstClr>
                 </a:solidFill>
               </a:rPr>
-              <a:t>McFullStack - @RAMISAYAR</a:t>
+              <a:t>FULLSTACK - @RAMISAYAR</a:t>
             </a:r>
             <a:endParaRPr lang="en-US">
               <a:solidFill>
@@ -3470,7 +3554,7 @@
           <a:bodyPr/>
           <a:lstStyle/>
           <a:p>
-            <a:fld id="{FAAF5898-B3E8-46D5-9F19-733923EDA236}" type="datetime1">
+            <a:fld id="{88BB2D75-E1CB-4934-A0D6-0742586246FA}" type="datetime1">
               <a:rPr lang="en-US" smtClean="0">
                 <a:solidFill>
                   <a:prstClr val="black">
@@ -3478,7 +3562,7 @@
                   </a:prstClr>
                 </a:solidFill>
               </a:rPr>
-              <a:t>4/23/2015</a:t>
+              <a:t>4/25/2015</a:t>
             </a:fld>
             <a:endParaRPr lang="en-US">
               <a:solidFill>
@@ -3513,7 +3597,7 @@
                   </a:prstClr>
                 </a:solidFill>
               </a:rPr>
-              <a:t>McFullStack - @RAMISAYAR</a:t>
+              <a:t>FULLSTACK - @RAMISAYAR</a:t>
             </a:r>
             <a:endParaRPr lang="en-US">
               <a:solidFill>
@@ -3764,7 +3848,7 @@
           <a:bodyPr/>
           <a:lstStyle/>
           <a:p>
-            <a:fld id="{FD920CCE-D0F4-44EE-A015-C74E694ED41B}" type="datetime1">
+            <a:fld id="{50EC8B23-9C1A-4D77-BEFF-56999BEC0166}" type="datetime1">
               <a:rPr lang="en-US" smtClean="0">
                 <a:solidFill>
                   <a:prstClr val="black">
@@ -3772,7 +3856,7 @@
                   </a:prstClr>
                 </a:solidFill>
               </a:rPr>
-              <a:t>4/23/2015</a:t>
+              <a:t>4/25/2015</a:t>
             </a:fld>
             <a:endParaRPr lang="en-US">
               <a:solidFill>
@@ -3807,7 +3891,7 @@
                   </a:prstClr>
                 </a:solidFill>
               </a:rPr>
-              <a:t>McFullStack - @RAMISAYAR</a:t>
+              <a:t>FULLSTACK - @RAMISAYAR</a:t>
             </a:r>
             <a:endParaRPr lang="en-US">
               <a:solidFill>
@@ -4044,7 +4128,7 @@
           <a:bodyPr/>
           <a:lstStyle/>
           <a:p>
-            <a:fld id="{876415EC-87EE-4FA8-B8DB-906164779CEE}" type="datetime1">
+            <a:fld id="{00FEFB5D-50E2-4DA7-A675-A7D7F14A8EF5}" type="datetime1">
               <a:rPr lang="en-US" smtClean="0">
                 <a:solidFill>
                   <a:prstClr val="black">
@@ -4052,7 +4136,7 @@
                   </a:prstClr>
                 </a:solidFill>
               </a:rPr>
-              <a:t>4/23/2015</a:t>
+              <a:t>4/25/2015</a:t>
             </a:fld>
             <a:endParaRPr lang="en-US">
               <a:solidFill>
@@ -4087,7 +4171,7 @@
                   </a:prstClr>
                 </a:solidFill>
               </a:rPr>
-              <a:t>McFullStack - @RAMISAYAR</a:t>
+              <a:t>FULLSTACK - @RAMISAYAR</a:t>
             </a:r>
             <a:endParaRPr lang="en-US">
               <a:solidFill>
@@ -4459,7 +4543,7 @@
           <a:bodyPr/>
           <a:lstStyle/>
           <a:p>
-            <a:fld id="{1A293ECB-A71E-4CE1-8407-212D2C8E0812}" type="datetime1">
+            <a:fld id="{FB9C025A-AEF9-4016-ACBF-2A60572C529F}" type="datetime1">
               <a:rPr lang="en-US" smtClean="0">
                 <a:solidFill>
                   <a:prstClr val="black">
@@ -4467,7 +4551,7 @@
                   </a:prstClr>
                 </a:solidFill>
               </a:rPr>
-              <a:t>4/23/2015</a:t>
+              <a:t>4/25/2015</a:t>
             </a:fld>
             <a:endParaRPr lang="en-US">
               <a:solidFill>
@@ -4502,7 +4586,7 @@
                   </a:prstClr>
                 </a:solidFill>
               </a:rPr>
-              <a:t>McFullStack - @RAMISAYAR</a:t>
+              <a:t>FULLSTACK - @RAMISAYAR</a:t>
             </a:r>
             <a:endParaRPr lang="en-US">
               <a:solidFill>
@@ -4677,9 +4761,9 @@
           <a:bodyPr/>
           <a:lstStyle/>
           <a:p>
-            <a:fld id="{CD5C1705-A7DF-4836-9B75-B0AD43429200}" type="datetime1">
-              <a:rPr lang="en-US" smtClean="0"/>
-              <a:t>4/23/2015</a:t>
+            <a:fld id="{EE4A2333-4E27-4897-9ABC-D78A8870338B}" type="datetime1">
+              <a:rPr lang="en-US" smtClean="0"/>
+              <a:t>4/25/2015</a:t>
             </a:fld>
             <a:endParaRPr lang="en-US"/>
           </a:p>
@@ -4702,7 +4786,7 @@
           <a:p>
             <a:r>
               <a:rPr lang="en-US" smtClean="0"/>
-              <a:t>McFullStack - @RAMISAYAR</a:t>
+              <a:t>FULLSTACK - @RAMISAYAR</a:t>
             </a:r>
             <a:endParaRPr lang="en-US"/>
           </a:p>
@@ -4806,7 +4890,7 @@
           <a:bodyPr/>
           <a:lstStyle/>
           <a:p>
-            <a:fld id="{F128C093-AAF0-4919-B6F5-4ECEE0B1F2BE}" type="datetime1">
+            <a:fld id="{D243B70D-A186-486C-B23E-71F95E649A4A}" type="datetime1">
               <a:rPr lang="en-US" smtClean="0">
                 <a:solidFill>
                   <a:prstClr val="black">
@@ -4814,7 +4898,7 @@
                   </a:prstClr>
                 </a:solidFill>
               </a:rPr>
-              <a:t>4/23/2015</a:t>
+              <a:t>4/25/2015</a:t>
             </a:fld>
             <a:endParaRPr lang="en-US">
               <a:solidFill>
@@ -4849,7 +4933,7 @@
                   </a:prstClr>
                 </a:solidFill>
               </a:rPr>
-              <a:t>McFullStack - @RAMISAYAR</a:t>
+              <a:t>FULLSTACK - @RAMISAYAR</a:t>
             </a:r>
             <a:endParaRPr lang="en-US">
               <a:solidFill>
@@ -4949,7 +5033,7 @@
           <a:bodyPr/>
           <a:lstStyle/>
           <a:p>
-            <a:fld id="{883F0986-B996-4288-B30D-D5843AF7BD8F}" type="datetime1">
+            <a:fld id="{F125CFE6-0A54-4541-A5B5-ECB2911895E0}" type="datetime1">
               <a:rPr lang="en-US" smtClean="0">
                 <a:solidFill>
                   <a:prstClr val="black">
@@ -4957,7 +5041,7 @@
                   </a:prstClr>
                 </a:solidFill>
               </a:rPr>
-              <a:t>4/23/2015</a:t>
+              <a:t>4/25/2015</a:t>
             </a:fld>
             <a:endParaRPr lang="en-US">
               <a:solidFill>
@@ -4992,7 +5076,7 @@
                   </a:prstClr>
                 </a:solidFill>
               </a:rPr>
-              <a:t>McFullStack - @RAMISAYAR</a:t>
+              <a:t>FULLSTACK - @RAMISAYAR</a:t>
             </a:r>
             <a:endParaRPr lang="en-US">
               <a:solidFill>
@@ -5274,7 +5358,7 @@
           <a:bodyPr/>
           <a:lstStyle/>
           <a:p>
-            <a:fld id="{D7EF5F10-EE2D-4F17-B232-69D64062C5F8}" type="datetime1">
+            <a:fld id="{C6189E5F-013C-441B-A7D4-944998D73272}" type="datetime1">
               <a:rPr lang="en-US" smtClean="0">
                 <a:solidFill>
                   <a:prstClr val="black">
@@ -5282,7 +5366,7 @@
                   </a:prstClr>
                 </a:solidFill>
               </a:rPr>
-              <a:t>4/23/2015</a:t>
+              <a:t>4/25/2015</a:t>
             </a:fld>
             <a:endParaRPr lang="en-US">
               <a:solidFill>
@@ -5317,7 +5401,7 @@
                   </a:prstClr>
                 </a:solidFill>
               </a:rPr>
-              <a:t>McFullStack - @RAMISAYAR</a:t>
+              <a:t>FULLSTACK - @RAMISAYAR</a:t>
             </a:r>
             <a:endParaRPr lang="en-US">
               <a:solidFill>
@@ -5572,7 +5656,7 @@
           <a:bodyPr/>
           <a:lstStyle/>
           <a:p>
-            <a:fld id="{067C985F-4244-46FC-9393-C61DA5F900D9}" type="datetime1">
+            <a:fld id="{32CCAD04-4F4E-4BF1-A67A-1E847C8E7FA3}" type="datetime1">
               <a:rPr lang="en-US" smtClean="0">
                 <a:solidFill>
                   <a:prstClr val="black">
@@ -5580,7 +5664,7 @@
                   </a:prstClr>
                 </a:solidFill>
               </a:rPr>
-              <a:t>4/23/2015</a:t>
+              <a:t>4/25/2015</a:t>
             </a:fld>
             <a:endParaRPr lang="en-US">
               <a:solidFill>
@@ -5615,7 +5699,7 @@
                   </a:prstClr>
                 </a:solidFill>
               </a:rPr>
-              <a:t>McFullStack - @RAMISAYAR</a:t>
+              <a:t>FULLSTACK - @RAMISAYAR</a:t>
             </a:r>
             <a:endParaRPr lang="en-US">
               <a:solidFill>
@@ -5783,7 +5867,7 @@
           <a:bodyPr/>
           <a:lstStyle/>
           <a:p>
-            <a:fld id="{1AEE27DC-4F94-4558-BAE9-46BADF754F01}" type="datetime1">
+            <a:fld id="{BBD34192-C895-40C9-8F26-80DA7F7B8F29}" type="datetime1">
               <a:rPr lang="en-US" smtClean="0">
                 <a:solidFill>
                   <a:prstClr val="black">
@@ -5791,7 +5875,7 @@
                   </a:prstClr>
                 </a:solidFill>
               </a:rPr>
-              <a:t>4/23/2015</a:t>
+              <a:t>4/25/2015</a:t>
             </a:fld>
             <a:endParaRPr lang="en-US">
               <a:solidFill>
@@ -5826,7 +5910,7 @@
                   </a:prstClr>
                 </a:solidFill>
               </a:rPr>
-              <a:t>McFullStack - @RAMISAYAR</a:t>
+              <a:t>FULLSTACK - @RAMISAYAR</a:t>
             </a:r>
             <a:endParaRPr lang="en-US">
               <a:solidFill>
@@ -6011,7 +6095,7 @@
           <a:bodyPr/>
           <a:lstStyle/>
           <a:p>
-            <a:fld id="{E1C3C48C-3B9B-425E-9FB2-5D7957CCB10B}" type="datetime1">
+            <a:fld id="{74BDAD97-1596-4781-9393-A1DC6635FB39}" type="datetime1">
               <a:rPr lang="en-US" smtClean="0">
                 <a:solidFill>
                   <a:prstClr val="black">
@@ -6019,7 +6103,7 @@
                   </a:prstClr>
                 </a:solidFill>
               </a:rPr>
-              <a:t>4/23/2015</a:t>
+              <a:t>4/25/2015</a:t>
             </a:fld>
             <a:endParaRPr lang="en-US">
               <a:solidFill>
@@ -6054,7 +6138,7 @@
                   </a:prstClr>
                 </a:solidFill>
               </a:rPr>
-              <a:t>McFullStack - @RAMISAYAR</a:t>
+              <a:t>FULLSTACK - @RAMISAYAR</a:t>
             </a:r>
             <a:endParaRPr lang="en-US">
               <a:solidFill>
@@ -6203,7 +6287,7 @@
           <a:bodyPr/>
           <a:lstStyle/>
           <a:p>
-            <a:fld id="{43FA682C-C499-47C2-95FE-7DC1FC277D52}" type="datetime1">
+            <a:fld id="{E0E546A7-B1F3-4903-BF95-EE89CE61CAF3}" type="datetime1">
               <a:rPr lang="en-US" smtClean="0">
                 <a:solidFill>
                   <a:prstClr val="black">
@@ -6211,7 +6295,7 @@
                   </a:prstClr>
                 </a:solidFill>
               </a:rPr>
-              <a:t>4/23/2015</a:t>
+              <a:t>4/25/2015</a:t>
             </a:fld>
             <a:endParaRPr lang="en-US">
               <a:solidFill>
@@ -6246,7 +6330,7 @@
                   </a:prstClr>
                 </a:solidFill>
               </a:rPr>
-              <a:t>McFullStack - @RAMISAYAR</a:t>
+              <a:t>FULLSTACK - @RAMISAYAR</a:t>
             </a:r>
             <a:endParaRPr lang="en-US">
               <a:solidFill>
@@ -6371,7 +6455,7 @@
           <a:bodyPr/>
           <a:lstStyle/>
           <a:p>
-            <a:fld id="{716B108F-6074-487E-8E21-3E53BF8C38FC}" type="datetime1">
+            <a:fld id="{E238ED7D-4BB5-4731-B519-F773C6E0DA65}" type="datetime1">
               <a:rPr lang="en-US" smtClean="0">
                 <a:solidFill>
                   <a:prstClr val="black">
@@ -6379,7 +6463,7 @@
                   </a:prstClr>
                 </a:solidFill>
               </a:rPr>
-              <a:t>4/23/2015</a:t>
+              <a:t>4/25/2015</a:t>
             </a:fld>
             <a:endParaRPr lang="en-US">
               <a:solidFill>
@@ -6414,7 +6498,7 @@
                   </a:prstClr>
                 </a:solidFill>
               </a:rPr>
-              <a:t>McFullStack - @RAMISAYAR</a:t>
+              <a:t>FULLSTACK - @RAMISAYAR</a:t>
             </a:r>
             <a:endParaRPr lang="en-US">
               <a:solidFill>
@@ -6849,9 +6933,9 @@
           <a:bodyPr/>
           <a:lstStyle/>
           <a:p>
-            <a:fld id="{A88AE2E0-C716-4C45-8AFE-7A5CC56DB9F4}" type="datetime1">
-              <a:rPr lang="en-US" smtClean="0"/>
-              <a:t>4/23/2015</a:t>
+            <a:fld id="{CEC3F60D-F249-45CA-85D9-E4F5EAA9DACE}" type="datetime1">
+              <a:rPr lang="en-US" smtClean="0"/>
+              <a:t>4/25/2015</a:t>
             </a:fld>
             <a:endParaRPr lang="en-US"/>
           </a:p>
@@ -6874,7 +6958,7 @@
           <a:p>
             <a:r>
               <a:rPr lang="en-US" smtClean="0"/>
-              <a:t>McFullStack - @RAMISAYAR</a:t>
+              <a:t>FULLSTACK - @RAMISAYAR</a:t>
             </a:r>
             <a:endParaRPr lang="en-US"/>
           </a:p>
@@ -7092,9 +7176,9 @@
           <a:bodyPr/>
           <a:lstStyle/>
           <a:p>
-            <a:fld id="{4B950ABF-86EF-4301-8984-A1AA71265A8B}" type="datetime1">
-              <a:rPr lang="en-US" smtClean="0"/>
-              <a:t>4/23/2015</a:t>
+            <a:fld id="{A607C9F8-5F8C-48A7-AE89-873A602DE86F}" type="datetime1">
+              <a:rPr lang="en-US" smtClean="0"/>
+              <a:t>4/25/2015</a:t>
             </a:fld>
             <a:endParaRPr lang="en-US"/>
           </a:p>
@@ -7117,7 +7201,7 @@
           <a:p>
             <a:r>
               <a:rPr lang="en-US" smtClean="0"/>
-              <a:t>McFullStack - @RAMISAYAR</a:t>
+              <a:t>FULLSTACK - @RAMISAYAR</a:t>
             </a:r>
             <a:endParaRPr lang="en-US"/>
           </a:p>
@@ -7470,9 +7554,9 @@
           <a:bodyPr/>
           <a:lstStyle/>
           <a:p>
-            <a:fld id="{B6006444-1452-4DE5-B5D0-6AF915AA00DF}" type="datetime1">
-              <a:rPr lang="en-US" smtClean="0"/>
-              <a:t>4/23/2015</a:t>
+            <a:fld id="{410BD43D-1573-46F2-86E8-E7E0667584B2}" type="datetime1">
+              <a:rPr lang="en-US" smtClean="0"/>
+              <a:t>4/25/2015</a:t>
             </a:fld>
             <a:endParaRPr lang="en-US"/>
           </a:p>
@@ -7495,7 +7579,7 @@
           <a:p>
             <a:r>
               <a:rPr lang="en-US" smtClean="0"/>
-              <a:t>McFullStack - @RAMISAYAR</a:t>
+              <a:t>FULLSTACK - @RAMISAYAR</a:t>
             </a:r>
             <a:endParaRPr lang="en-US"/>
           </a:p>
@@ -7599,9 +7683,9 @@
           <a:bodyPr/>
           <a:lstStyle/>
           <a:p>
-            <a:fld id="{261ECB4B-C6E4-4657-9F92-C33ED908132D}" type="datetime1">
-              <a:rPr lang="en-US" smtClean="0"/>
-              <a:t>4/23/2015</a:t>
+            <a:fld id="{74163E94-0A7F-4587-BD01-77B0DD29920A}" type="datetime1">
+              <a:rPr lang="en-US" smtClean="0"/>
+              <a:t>4/25/2015</a:t>
             </a:fld>
             <a:endParaRPr lang="en-US"/>
           </a:p>
@@ -7624,7 +7708,7 @@
           <a:p>
             <a:r>
               <a:rPr lang="en-US" smtClean="0"/>
-              <a:t>McFullStack - @RAMISAYAR</a:t>
+              <a:t>FULLSTACK - @RAMISAYAR</a:t>
             </a:r>
             <a:endParaRPr lang="en-US"/>
           </a:p>
@@ -7705,9 +7789,9 @@
           <a:bodyPr/>
           <a:lstStyle/>
           <a:p>
-            <a:fld id="{50BC82C8-2581-4403-87F4-32D04D4551AC}" type="datetime1">
-              <a:rPr lang="en-US" smtClean="0"/>
-              <a:t>4/23/2015</a:t>
+            <a:fld id="{872A154C-1E06-45E5-B2AC-E25B81E86FEB}" type="datetime1">
+              <a:rPr lang="en-US" smtClean="0"/>
+              <a:t>4/25/2015</a:t>
             </a:fld>
             <a:endParaRPr lang="en-US"/>
           </a:p>
@@ -7730,7 +7814,7 @@
           <a:p>
             <a:r>
               <a:rPr lang="en-US" smtClean="0"/>
-              <a:t>McFullStack - @RAMISAYAR</a:t>
+              <a:t>FULLSTACK - @RAMISAYAR</a:t>
             </a:r>
             <a:endParaRPr lang="en-US"/>
           </a:p>
@@ -7993,9 +8077,9 @@
           <a:bodyPr/>
           <a:lstStyle/>
           <a:p>
-            <a:fld id="{9571C441-07E4-472A-BE12-1D385BAAE2F6}" type="datetime1">
-              <a:rPr lang="en-US" smtClean="0"/>
-              <a:t>4/23/2015</a:t>
+            <a:fld id="{ED1E970C-0093-4878-8856-9A274BA21900}" type="datetime1">
+              <a:rPr lang="en-US" smtClean="0"/>
+              <a:t>4/25/2015</a:t>
             </a:fld>
             <a:endParaRPr lang="en-US"/>
           </a:p>
@@ -8018,7 +8102,7 @@
           <a:p>
             <a:r>
               <a:rPr lang="en-US" smtClean="0"/>
-              <a:t>McFullStack - @RAMISAYAR</a:t>
+              <a:t>FULLSTACK - @RAMISAYAR</a:t>
             </a:r>
             <a:endParaRPr lang="en-US"/>
           </a:p>
@@ -8254,9 +8338,9 @@
           <a:bodyPr/>
           <a:lstStyle/>
           <a:p>
-            <a:fld id="{2E3D5085-BC87-4FE7-8097-AD37104D0E49}" type="datetime1">
-              <a:rPr lang="en-US" smtClean="0"/>
-              <a:t>4/23/2015</a:t>
+            <a:fld id="{22AB48B2-CF4A-4D76-852B-361AC41FC9F6}" type="datetime1">
+              <a:rPr lang="en-US" smtClean="0"/>
+              <a:t>4/25/2015</a:t>
             </a:fld>
             <a:endParaRPr lang="en-US"/>
           </a:p>
@@ -8279,7 +8363,7 @@
           <a:p>
             <a:r>
               <a:rPr lang="en-US" smtClean="0"/>
-              <a:t>McFullStack - @RAMISAYAR</a:t>
+              <a:t>FULLSTACK - @RAMISAYAR</a:t>
             </a:r>
             <a:endParaRPr lang="en-US"/>
           </a:p>
@@ -8471,9 +8555,9 @@
             </a:lvl1pPr>
           </a:lstStyle>
           <a:p>
-            <a:fld id="{5FB47DCD-756B-42DA-A43E-BB6419B8055D}" type="datetime1">
-              <a:rPr lang="en-US" smtClean="0"/>
-              <a:t>4/23/2015</a:t>
+            <a:fld id="{505FCC88-EE4C-40A6-9D8C-4269A7D4F0E3}" type="datetime1">
+              <a:rPr lang="en-US" smtClean="0"/>
+              <a:t>4/25/2015</a:t>
             </a:fld>
             <a:endParaRPr lang="en-US"/>
           </a:p>
@@ -8515,7 +8599,7 @@
           <a:p>
             <a:r>
               <a:rPr lang="en-US" smtClean="0"/>
-              <a:t>McFullStack - @RAMISAYAR</a:t>
+              <a:t>FULLSTACK - @RAMISAYAR</a:t>
             </a:r>
             <a:endParaRPr lang="en-US" dirty="0"/>
           </a:p>
@@ -9027,7 +9111,7 @@
             </a:lvl1pPr>
           </a:lstStyle>
           <a:p>
-            <a:fld id="{19CF7B25-86F1-453C-9915-0C009A692A63}" type="datetime1">
+            <a:fld id="{317EEB70-05DA-462E-ADBA-86AC2E3F945B}" type="datetime1">
               <a:rPr lang="en-US" smtClean="0">
                 <a:solidFill>
                   <a:prstClr val="black">
@@ -9035,7 +9119,7 @@
                   </a:prstClr>
                 </a:solidFill>
               </a:rPr>
-              <a:t>4/23/2015</a:t>
+              <a:t>4/25/2015</a:t>
             </a:fld>
             <a:endParaRPr lang="en-US">
               <a:solidFill>
@@ -9088,7 +9172,7 @@
                   </a:prstClr>
                 </a:solidFill>
               </a:rPr>
-              <a:t>McFullStack - @RAMISAYAR</a:t>
+              <a:t>FULLSTACK - @RAMISAYAR</a:t>
             </a:r>
             <a:endParaRPr lang="en-US">
               <a:solidFill>
@@ -9628,7 +9712,7 @@
         <p:spPr/>
         <p:txBody>
           <a:bodyPr>
-            <a:normAutofit lnSpcReduction="10000"/>
+            <a:normAutofit/>
           </a:bodyPr>
           <a:lstStyle/>
           <a:p>
@@ -9727,7 +9811,7 @@
           <a:p>
             <a:r>
               <a:rPr lang="en-US" smtClean="0"/>
-              <a:t>McFullStack - @RAMISAYAR</a:t>
+              <a:t>FULLSTACK - @RAMISAYAR</a:t>
             </a:r>
             <a:endParaRPr lang="en-US"/>
           </a:p>
@@ -9869,7 +9953,7 @@
           <a:p>
             <a:r>
               <a:rPr lang="en-US" smtClean="0"/>
-              <a:t>McFullStack - @RAMISAYAR</a:t>
+              <a:t>FULLSTACK - @RAMISAYAR</a:t>
             </a:r>
             <a:endParaRPr lang="en-US"/>
           </a:p>
@@ -9948,7 +10032,7 @@
         <p:spPr/>
         <p:txBody>
           <a:bodyPr>
-            <a:normAutofit lnSpcReduction="10000"/>
+            <a:normAutofit/>
           </a:bodyPr>
           <a:lstStyle/>
           <a:p>
@@ -10075,7 +10159,7 @@
           <a:p>
             <a:r>
               <a:rPr lang="en-US" smtClean="0"/>
-              <a:t>McFullStack - @RAMISAYAR</a:t>
+              <a:t>FULLSTACK - @RAMISAYAR</a:t>
             </a:r>
             <a:endParaRPr lang="en-US"/>
           </a:p>
@@ -10187,7 +10271,7 @@
           <a:p>
             <a:r>
               <a:rPr lang="en-US" smtClean="0"/>
-              <a:t>McFullStack - @RAMISAYAR</a:t>
+              <a:t>FULLSTACK - @RAMISAYAR</a:t>
             </a:r>
             <a:endParaRPr lang="en-US"/>
           </a:p>
@@ -10270,7 +10354,7 @@
           <a:p>
             <a:r>
               <a:rPr lang="en-US" smtClean="0"/>
-              <a:t>McFullStack - @RAMISAYAR</a:t>
+              <a:t>FULLSTACK - @RAMISAYAR</a:t>
             </a:r>
             <a:endParaRPr lang="en-US"/>
           </a:p>
@@ -10353,7 +10437,7 @@
           <a:p>
             <a:r>
               <a:rPr lang="en-US" smtClean="0"/>
-              <a:t>McFullStack - @RAMISAYAR</a:t>
+              <a:t>FULLSTACK - @RAMISAYAR</a:t>
             </a:r>
             <a:endParaRPr lang="en-US"/>
           </a:p>
@@ -10468,7 +10552,7 @@
           <a:p>
             <a:r>
               <a:rPr lang="en-US" smtClean="0"/>
-              <a:t>McFullStack - @RAMISAYAR</a:t>
+              <a:t>FULLSTACK - @RAMISAYAR</a:t>
             </a:r>
             <a:endParaRPr lang="en-US"/>
           </a:p>
@@ -10592,7 +10676,7 @@
           <a:p>
             <a:r>
               <a:rPr lang="en-US" smtClean="0"/>
-              <a:t>McFullStack - @RAMISAYAR</a:t>
+              <a:t>FULLSTACK - @RAMISAYAR</a:t>
             </a:r>
             <a:endParaRPr lang="en-US"/>
           </a:p>
@@ -11035,7 +11119,7 @@
           <a:p>
             <a:r>
               <a:rPr lang="en-US" smtClean="0"/>
-              <a:t>McFullStack - @RAMISAYAR</a:t>
+              <a:t>FULLSTACK - @RAMISAYAR</a:t>
             </a:r>
             <a:endParaRPr lang="en-US"/>
           </a:p>
@@ -11534,7 +11618,7 @@
           <a:p>
             <a:r>
               <a:rPr lang="en-US" smtClean="0"/>
-              <a:t>McFullStack - @RAMISAYAR</a:t>
+              <a:t>FULLSTACK - @RAMISAYAR</a:t>
             </a:r>
             <a:endParaRPr lang="en-US"/>
           </a:p>
@@ -11686,7 +11770,7 @@
           <a:p>
             <a:r>
               <a:rPr lang="en-US" smtClean="0"/>
-              <a:t>McFullStack - @RAMISAYAR</a:t>
+              <a:t>FULLSTACK - @RAMISAYAR</a:t>
             </a:r>
             <a:endParaRPr lang="en-US"/>
           </a:p>
@@ -11775,7 +11859,15 @@
           <a:p>
             <a:r>
               <a:rPr lang="en-US" dirty="0" smtClean="0"/>
-              <a:t>In other words, you end up splitting your program into smaller and smaller chunks until each chuck is mapped to operation with data.</a:t>
+              <a:t>In other words, you end up splitting your program into smaller and smaller chunks until each </a:t>
+            </a:r>
+            <a:r>
+              <a:rPr lang="en-US" dirty="0" err="1" smtClean="0"/>
+              <a:t>chunck</a:t>
+            </a:r>
+            <a:r>
+              <a:rPr lang="en-US" dirty="0" smtClean="0"/>
+              <a:t> is mapped to operation with data.</a:t>
             </a:r>
           </a:p>
           <a:p>
@@ -11803,7 +11895,7 @@
           <a:p>
             <a:r>
               <a:rPr lang="en-US" smtClean="0"/>
-              <a:t>McFullStack - @RAMISAYAR</a:t>
+              <a:t>FULLSTACK - @RAMISAYAR</a:t>
             </a:r>
             <a:endParaRPr lang="en-US"/>
           </a:p>
@@ -12050,7 +12142,7 @@
           <a:p>
             <a:r>
               <a:rPr lang="en-US" smtClean="0"/>
-              <a:t>McFullStack - @RAMISAYAR</a:t>
+              <a:t>FULLSTACK - @RAMISAYAR</a:t>
             </a:r>
             <a:endParaRPr lang="en-US"/>
           </a:p>
@@ -12220,7 +12312,7 @@
           <a:p>
             <a:r>
               <a:rPr lang="en-US" smtClean="0"/>
-              <a:t>McFullStack - @RAMISAYAR</a:t>
+              <a:t>FULLSTACK - @RAMISAYAR</a:t>
             </a:r>
             <a:endParaRPr lang="en-US"/>
           </a:p>
@@ -13353,7 +13445,7 @@
           <a:p>
             <a:r>
               <a:rPr lang="en-US" smtClean="0"/>
-              <a:t>McFullStack - @RAMISAYAR</a:t>
+              <a:t>FULLSTACK - @RAMISAYAR</a:t>
             </a:r>
             <a:endParaRPr lang="en-US"/>
           </a:p>
@@ -13481,7 +13573,7 @@
           <a:p>
             <a:r>
               <a:rPr lang="en-US" smtClean="0"/>
-              <a:t>McFullStack - @RAMISAYAR</a:t>
+              <a:t>FULLSTACK - @RAMISAYAR</a:t>
             </a:r>
             <a:endParaRPr lang="en-US"/>
           </a:p>
@@ -13564,7 +13656,7 @@
           <a:p>
             <a:r>
               <a:rPr lang="en-US" smtClean="0"/>
-              <a:t>McFullStack - @RAMISAYAR</a:t>
+              <a:t>FULLSTACK - @RAMISAYAR</a:t>
             </a:r>
             <a:endParaRPr lang="en-US"/>
           </a:p>
@@ -13703,7 +13795,7 @@
           <a:p>
             <a:r>
               <a:rPr lang="en-US" smtClean="0"/>
-              <a:t>McFullStack - @RAMISAYAR</a:t>
+              <a:t>FULLSTACK - @RAMISAYAR</a:t>
             </a:r>
             <a:endParaRPr lang="en-US"/>
           </a:p>
@@ -14211,7 +14303,7 @@
           <a:p>
             <a:r>
               <a:rPr lang="en-US" smtClean="0"/>
-              <a:t>McFullStack - @RAMISAYAR</a:t>
+              <a:t>FULLSTACK - @RAMISAYAR</a:t>
             </a:r>
             <a:endParaRPr lang="en-US"/>
           </a:p>
@@ -14346,7 +14438,7 @@
           <a:p>
             <a:r>
               <a:rPr lang="en-US" smtClean="0"/>
-              <a:t>McFullStack - @RAMISAYAR</a:t>
+              <a:t>FULLSTACK - @RAMISAYAR</a:t>
             </a:r>
             <a:endParaRPr lang="en-US"/>
           </a:p>
@@ -14539,7 +14631,7 @@
           <a:p>
             <a:r>
               <a:rPr lang="en-US" smtClean="0"/>
-              <a:t>McFullStack - @RAMISAYAR</a:t>
+              <a:t>FULLSTACK - @RAMISAYAR</a:t>
             </a:r>
             <a:endParaRPr lang="en-US"/>
           </a:p>
@@ -14622,7 +14714,7 @@
           <a:p>
             <a:r>
               <a:rPr lang="en-US" smtClean="0"/>
-              <a:t>McFullStack - @RAMISAYAR</a:t>
+              <a:t>FULLSTACK - @RAMISAYAR</a:t>
             </a:r>
             <a:endParaRPr lang="en-US"/>
           </a:p>
@@ -14783,7 +14875,7 @@
           <a:p>
             <a:r>
               <a:rPr lang="en-US" smtClean="0"/>
-              <a:t>McFullStack - @RAMISAYAR</a:t>
+              <a:t>FULLSTACK - @RAMISAYAR</a:t>
             </a:r>
             <a:endParaRPr lang="en-US"/>
           </a:p>
@@ -15608,7 +15700,7 @@
         <p:spPr>
           <a:xfrm>
             <a:off x="5443464" y="5717777"/>
-            <a:ext cx="5910336" cy="523220"/>
+            <a:ext cx="5117876" cy="523220"/>
           </a:xfrm>
           <a:prstGeom prst="rect">
             <a:avLst/>
@@ -15626,9 +15718,15 @@
                 <a:latin typeface="Open Sans Light" panose="020B0306030504020204" pitchFamily="34" charset="0"/>
                 <a:ea typeface="Open Sans Light" panose="020B0306030504020204" pitchFamily="34" charset="0"/>
                 <a:cs typeface="Open Sans Light" panose="020B0306030504020204" pitchFamily="34" charset="0"/>
+                <a:hlinkClick r:id="rId2"/>
               </a:rPr>
               <a:t>http://browsenpm.org/package.json</a:t>
             </a:r>
+            <a:endParaRPr lang="en-US" sz="2800" dirty="0">
+              <a:latin typeface="Open Sans Light" panose="020B0306030504020204" pitchFamily="34" charset="0"/>
+              <a:ea typeface="Open Sans Light" panose="020B0306030504020204" pitchFamily="34" charset="0"/>
+              <a:cs typeface="Open Sans Light" panose="020B0306030504020204" pitchFamily="34" charset="0"/>
+            </a:endParaRPr>
           </a:p>
         </p:txBody>
       </p:sp>
@@ -15649,7 +15747,7 @@
           <a:p>
             <a:r>
               <a:rPr lang="en-US" smtClean="0"/>
-              <a:t>McFullStack - @RAMISAYAR</a:t>
+              <a:t>FULLSTACK - @RAMISAYAR</a:t>
             </a:r>
             <a:endParaRPr lang="en-US"/>
           </a:p>
@@ -15747,7 +15845,7 @@
             </a:r>
             <a:r>
               <a:rPr lang="en-US" dirty="0">
-                <a:hlinkClick r:id="rId2"/>
+                <a:hlinkClick r:id="rId3"/>
               </a:rPr>
               <a:t>underscore</a:t>
             </a:r>
@@ -15760,7 +15858,7 @@
             </a:r>
             <a:r>
               <a:rPr lang="en-US" dirty="0" err="1">
-                <a:hlinkClick r:id="rId3"/>
+                <a:hlinkClick r:id="rId4"/>
               </a:rPr>
               <a:t>async</a:t>
             </a:r>
@@ -15773,7 +15871,7 @@
             </a:r>
             <a:r>
               <a:rPr lang="en-US" dirty="0">
-                <a:hlinkClick r:id="rId4"/>
+                <a:hlinkClick r:id="rId5"/>
               </a:rPr>
               <a:t>request</a:t>
             </a:r>
@@ -15786,7 +15884,7 @@
             </a:r>
             <a:r>
               <a:rPr lang="en-US" dirty="0" err="1">
-                <a:hlinkClick r:id="rId5"/>
+                <a:hlinkClick r:id="rId6"/>
               </a:rPr>
               <a:t>lodash</a:t>
             </a:r>
@@ -15799,7 +15897,7 @@
             </a:r>
             <a:r>
               <a:rPr lang="en-US" dirty="0">
-                <a:hlinkClick r:id="rId6"/>
+                <a:hlinkClick r:id="rId7"/>
               </a:rPr>
               <a:t>commander</a:t>
             </a:r>
@@ -15812,7 +15910,7 @@
             </a:r>
             <a:r>
               <a:rPr lang="en-US" dirty="0">
-                <a:hlinkClick r:id="rId7"/>
+                <a:hlinkClick r:id="rId8"/>
               </a:rPr>
               <a:t>express</a:t>
             </a:r>
@@ -15825,7 +15923,7 @@
             </a:r>
             <a:r>
               <a:rPr lang="en-US" dirty="0">
-                <a:hlinkClick r:id="rId8"/>
+                <a:hlinkClick r:id="rId9"/>
               </a:rPr>
               <a:t>optimist</a:t>
             </a:r>
@@ -15838,7 +15936,7 @@
             </a:r>
             <a:r>
               <a:rPr lang="en-US" dirty="0" smtClean="0">
-                <a:hlinkClick r:id="rId9"/>
+                <a:hlinkClick r:id="rId10"/>
               </a:rPr>
               <a:t>coffee-script</a:t>
             </a:r>
@@ -15849,9 +15947,12 @@
               <a:buNone/>
             </a:pPr>
             <a:r>
-              <a:rPr lang="en-US" dirty="0"/>
+              <a:rPr lang="en-US" dirty="0">
+                <a:hlinkClick r:id="rId11"/>
+              </a:rPr>
               <a:t>https://www.npmjs.org/</a:t>
             </a:r>
+            <a:endParaRPr lang="en-US" dirty="0"/>
           </a:p>
           <a:p>
             <a:pPr marL="0" indent="0">
@@ -15878,7 +15979,7 @@
           <a:p>
             <a:r>
               <a:rPr lang="en-US" smtClean="0"/>
-              <a:t>McFullStack - @RAMISAYAR</a:t>
+              <a:t>FULLSTACK - @RAMISAYAR</a:t>
             </a:r>
             <a:endParaRPr lang="en-US"/>
           </a:p>
@@ -16039,7 +16140,7 @@
           <a:p>
             <a:r>
               <a:rPr lang="en-US" smtClean="0"/>
-              <a:t>McFullStack - @RAMISAYAR</a:t>
+              <a:t>FULLSTACK - @RAMISAYAR</a:t>
             </a:r>
             <a:endParaRPr lang="en-US"/>
           </a:p>
@@ -16992,7 +17093,7 @@
           <a:p>
             <a:r>
               <a:rPr lang="en-US" smtClean="0"/>
-              <a:t>McFullStack - @RAMISAYAR</a:t>
+              <a:t>FULLSTACK - @RAMISAYAR</a:t>
             </a:r>
             <a:endParaRPr lang="en-US"/>
           </a:p>
@@ -17404,7 +17505,7 @@
           <a:p>
             <a:r>
               <a:rPr lang="en-US" smtClean="0"/>
-              <a:t>McFullStack - @RAMISAYAR</a:t>
+              <a:t>FULLSTACK - @RAMISAYAR</a:t>
             </a:r>
             <a:endParaRPr lang="en-US"/>
           </a:p>
@@ -17541,7 +17642,7 @@
           <a:p>
             <a:r>
               <a:rPr lang="en-US" smtClean="0"/>
-              <a:t>McFullStack - @RAMISAYAR</a:t>
+              <a:t>FULLSTACK - @RAMISAYAR</a:t>
             </a:r>
             <a:endParaRPr lang="en-US"/>
           </a:p>
@@ -18263,7 +18364,7 @@
           <a:p>
             <a:r>
               <a:rPr lang="en-US" smtClean="0"/>
-              <a:t>McFullStack - @RAMISAYAR</a:t>
+              <a:t>FULLSTACK - @RAMISAYAR</a:t>
             </a:r>
             <a:endParaRPr lang="en-US"/>
           </a:p>
@@ -18346,7 +18447,7 @@
           <a:p>
             <a:r>
               <a:rPr lang="en-US" smtClean="0"/>
-              <a:t>McFullStack - @RAMISAYAR</a:t>
+              <a:t>FULLSTACK - @RAMISAYAR</a:t>
             </a:r>
             <a:endParaRPr lang="en-US"/>
           </a:p>
@@ -18494,7 +18595,7 @@
                   </a:prstClr>
                 </a:solidFill>
               </a:rPr>
-              <a:t>McFullStack - @RAMISAYAR</a:t>
+              <a:t>FULLSTACK - @RAMISAYAR</a:t>
             </a:r>
             <a:endParaRPr lang="en-US">
               <a:solidFill>
@@ -18583,7 +18684,7 @@
           <a:p>
             <a:r>
               <a:rPr lang="en-US" smtClean="0"/>
-              <a:t>McFullStack - @RAMISAYAR</a:t>
+              <a:t>FULLSTACK - @RAMISAYAR</a:t>
             </a:r>
             <a:endParaRPr lang="en-US"/>
           </a:p>
@@ -18715,7 +18816,7 @@
                   </a:prstClr>
                 </a:solidFill>
               </a:rPr>
-              <a:t>McFullStack - @RAMISAYAR</a:t>
+              <a:t>FULLSTACK - @RAMISAYAR</a:t>
             </a:r>
             <a:endParaRPr lang="en-US">
               <a:solidFill>
@@ -18829,7 +18930,7 @@
                   </a:prstClr>
                 </a:solidFill>
               </a:rPr>
-              <a:t>McFullStack - @RAMISAYAR</a:t>
+              <a:t>FULLSTACK - @RAMISAYAR</a:t>
             </a:r>
             <a:endParaRPr lang="en-US">
               <a:solidFill>
@@ -18980,7 +19081,7 @@
                   </a:prstClr>
                 </a:solidFill>
               </a:rPr>
-              <a:t>McFullStack - @RAMISAYAR</a:t>
+              <a:t>FULLSTACK - @RAMISAYAR</a:t>
             </a:r>
             <a:endParaRPr lang="en-US">
               <a:solidFill>
@@ -19175,7 +19276,7 @@
                   </a:prstClr>
                 </a:solidFill>
               </a:rPr>
-              <a:t>McFullStack - @RAMISAYAR</a:t>
+              <a:t>FULLSTACK - @RAMISAYAR</a:t>
             </a:r>
             <a:endParaRPr lang="en-US">
               <a:solidFill>
@@ -19301,7 +19402,7 @@
                   </a:prstClr>
                 </a:solidFill>
               </a:rPr>
-              <a:t>McFullStack - @RAMISAYAR</a:t>
+              <a:t>FULLSTACK - @RAMISAYAR</a:t>
             </a:r>
             <a:endParaRPr lang="en-US">
               <a:solidFill>
@@ -19443,7 +19544,7 @@
           <a:p>
             <a:r>
               <a:rPr lang="en-US" smtClean="0"/>
-              <a:t>McFullStack - @RAMISAYAR</a:t>
+              <a:t>FULLSTACK - @RAMISAYAR</a:t>
             </a:r>
             <a:endParaRPr lang="en-US"/>
           </a:p>
@@ -19565,7 +19666,7 @@
           <a:p>
             <a:r>
               <a:rPr lang="en-US" smtClean="0"/>
-              <a:t>McFullStack - @RAMISAYAR</a:t>
+              <a:t>FULLSTACK - @RAMISAYAR</a:t>
             </a:r>
             <a:endParaRPr lang="en-US"/>
           </a:p>
@@ -19648,7 +19749,7 @@
           <a:p>
             <a:r>
               <a:rPr lang="en-US" smtClean="0"/>
-              <a:t>McFullStack - @RAMISAYAR</a:t>
+              <a:t>FULLSTACK - @RAMISAYAR</a:t>
             </a:r>
             <a:endParaRPr lang="en-US"/>
           </a:p>
@@ -19731,7 +19832,7 @@
           <a:p>
             <a:r>
               <a:rPr lang="en-US" smtClean="0"/>
-              <a:t>McFullStack - @RAMISAYAR</a:t>
+              <a:t>FULLSTACK - @RAMISAYAR</a:t>
             </a:r>
             <a:endParaRPr lang="en-US"/>
           </a:p>
@@ -19876,7 +19977,7 @@
           <a:p>
             <a:r>
               <a:rPr lang="en-US" smtClean="0"/>
-              <a:t>McFullStack - @RAMISAYAR</a:t>
+              <a:t>FULLSTACK - @RAMISAYAR</a:t>
             </a:r>
             <a:endParaRPr lang="en-US"/>
           </a:p>
@@ -20011,7 +20112,7 @@
           <a:p>
             <a:r>
               <a:rPr lang="en-US" smtClean="0"/>
-              <a:t>McFullStack - @RAMISAYAR</a:t>
+              <a:t>FULLSTACK - @RAMISAYAR</a:t>
             </a:r>
             <a:endParaRPr lang="en-US"/>
           </a:p>
